--- a/Presentazione/Atsilo2/[SENZA NOTE] Atsilo_M_PresentazioneFinale.pptx
+++ b/Presentazione/Atsilo2/[SENZA NOTE] Atsilo_M_PresentazioneFinale.pptx
@@ -450,7 +450,7 @@
     </p:spTree>
     <p:extLst>
       <p:ext uri="{BB962C8B-B14F-4D97-AF65-F5344CB8AC3E}">
-        <p14:creationId xmlns:p14="http://schemas.microsoft.com/office/powerpoint/2010/main" xmlns="" val="2126419590"/>
+        <p14:creationId xmlns="" xmlns:p14="http://schemas.microsoft.com/office/powerpoint/2010/main" val="2126419590"/>
       </p:ext>
     </p:extLst>
   </p:cSld>
@@ -625,7 +625,7 @@
     </p:spTree>
     <p:extLst>
       <p:ext uri="{BB962C8B-B14F-4D97-AF65-F5344CB8AC3E}">
-        <p14:creationId xmlns:p14="http://schemas.microsoft.com/office/powerpoint/2010/main" xmlns="" val="3122029082"/>
+        <p14:creationId xmlns="" xmlns:p14="http://schemas.microsoft.com/office/powerpoint/2010/main" val="3122029082"/>
       </p:ext>
     </p:extLst>
   </p:cSld>
@@ -710,7 +710,7 @@
     </p:spTree>
     <p:extLst>
       <p:ext uri="{BB962C8B-B14F-4D97-AF65-F5344CB8AC3E}">
-        <p14:creationId xmlns:p14="http://schemas.microsoft.com/office/powerpoint/2010/main" xmlns="" val="3771085237"/>
+        <p14:creationId xmlns="" xmlns:p14="http://schemas.microsoft.com/office/powerpoint/2010/main" val="3771085237"/>
       </p:ext>
     </p:extLst>
   </p:cSld>
@@ -835,7 +835,7 @@
     </p:spTree>
     <p:extLst>
       <p:ext uri="{BB962C8B-B14F-4D97-AF65-F5344CB8AC3E}">
-        <p14:creationId xmlns:p14="http://schemas.microsoft.com/office/powerpoint/2010/main" xmlns="" val="2716859324"/>
+        <p14:creationId xmlns="" xmlns:p14="http://schemas.microsoft.com/office/powerpoint/2010/main" val="2716859324"/>
       </p:ext>
     </p:extLst>
   </p:cSld>
@@ -920,7 +920,7 @@
     </p:spTree>
     <p:extLst>
       <p:ext uri="{BB962C8B-B14F-4D97-AF65-F5344CB8AC3E}">
-        <p14:creationId xmlns:p14="http://schemas.microsoft.com/office/powerpoint/2010/main" xmlns="" val="3122029082"/>
+        <p14:creationId xmlns="" xmlns:p14="http://schemas.microsoft.com/office/powerpoint/2010/main" val="3122029082"/>
       </p:ext>
     </p:extLst>
   </p:cSld>
@@ -1025,7 +1025,7 @@
     </p:spTree>
     <p:extLst>
       <p:ext uri="{BB962C8B-B14F-4D97-AF65-F5344CB8AC3E}">
-        <p14:creationId xmlns:p14="http://schemas.microsoft.com/office/powerpoint/2010/main" xmlns="" val="2716859324"/>
+        <p14:creationId xmlns="" xmlns:p14="http://schemas.microsoft.com/office/powerpoint/2010/main" val="2716859324"/>
       </p:ext>
     </p:extLst>
   </p:cSld>
@@ -1110,7 +1110,7 @@
     </p:spTree>
     <p:extLst>
       <p:ext uri="{BB962C8B-B14F-4D97-AF65-F5344CB8AC3E}">
-        <p14:creationId xmlns:p14="http://schemas.microsoft.com/office/powerpoint/2010/main" xmlns="" val="1159000954"/>
+        <p14:creationId xmlns="" xmlns:p14="http://schemas.microsoft.com/office/powerpoint/2010/main" val="1159000954"/>
       </p:ext>
     </p:extLst>
   </p:cSld>
@@ -1654,7 +1654,7 @@
     </p:spTree>
     <p:extLst>
       <p:ext uri="{BB962C8B-B14F-4D97-AF65-F5344CB8AC3E}">
-        <p14:creationId xmlns:p14="http://schemas.microsoft.com/office/powerpoint/2010/main" xmlns="" val="3122029082"/>
+        <p14:creationId xmlns="" xmlns:p14="http://schemas.microsoft.com/office/powerpoint/2010/main" val="3122029082"/>
       </p:ext>
     </p:extLst>
   </p:cSld>
@@ -1938,7 +1938,7 @@
     </p:spTree>
     <p:extLst>
       <p:ext uri="{BB962C8B-B14F-4D97-AF65-F5344CB8AC3E}">
-        <p14:creationId xmlns="" xmlns:p14="http://schemas.microsoft.com/office/powerpoint/2010/main" val="1015010449"/>
+        <p14:creationId xmlns:p14="http://schemas.microsoft.com/office/powerpoint/2010/main" xmlns="" val="1015010449"/>
       </p:ext>
     </p:extLst>
   </p:cSld>
@@ -2023,7 +2023,7 @@
     </p:spTree>
     <p:extLst>
       <p:ext uri="{BB962C8B-B14F-4D97-AF65-F5344CB8AC3E}">
-        <p14:creationId xmlns="" xmlns:p14="http://schemas.microsoft.com/office/powerpoint/2010/main" val="2697673236"/>
+        <p14:creationId xmlns:p14="http://schemas.microsoft.com/office/powerpoint/2010/main" xmlns="" val="2697673236"/>
       </p:ext>
     </p:extLst>
   </p:cSld>
@@ -2600,7 +2600,7 @@
     </p:spTree>
     <p:extLst>
       <p:ext uri="{BB962C8B-B14F-4D97-AF65-F5344CB8AC3E}">
-        <p14:creationId xmlns:p14="http://schemas.microsoft.com/office/powerpoint/2010/main" xmlns="" val="1632684865"/>
+        <p14:creationId xmlns="" xmlns:p14="http://schemas.microsoft.com/office/powerpoint/2010/main" val="1632684865"/>
       </p:ext>
     </p:extLst>
   </p:cSld>
@@ -3424,7 +3424,7 @@
     </p:spTree>
     <p:extLst>
       <p:ext uri="{BB962C8B-B14F-4D97-AF65-F5344CB8AC3E}">
-        <p14:creationId xmlns:p14="http://schemas.microsoft.com/office/powerpoint/2010/main" xmlns="" val="1093366611"/>
+        <p14:creationId xmlns="" xmlns:p14="http://schemas.microsoft.com/office/powerpoint/2010/main" val="1093366611"/>
       </p:ext>
     </p:extLst>
   </p:cSld>
@@ -3509,7 +3509,7 @@
     </p:spTree>
     <p:extLst>
       <p:ext uri="{BB962C8B-B14F-4D97-AF65-F5344CB8AC3E}">
-        <p14:creationId xmlns:p14="http://schemas.microsoft.com/office/powerpoint/2010/main" xmlns="" val="968677491"/>
+        <p14:creationId xmlns="" xmlns:p14="http://schemas.microsoft.com/office/powerpoint/2010/main" val="968677491"/>
       </p:ext>
     </p:extLst>
   </p:cSld>
@@ -3594,7 +3594,7 @@
     </p:spTree>
     <p:extLst>
       <p:ext uri="{BB962C8B-B14F-4D97-AF65-F5344CB8AC3E}">
-        <p14:creationId xmlns:p14="http://schemas.microsoft.com/office/powerpoint/2010/main" xmlns="" val="1685022444"/>
+        <p14:creationId xmlns="" xmlns:p14="http://schemas.microsoft.com/office/powerpoint/2010/main" val="1685022444"/>
       </p:ext>
     </p:extLst>
   </p:cSld>
@@ -3679,7 +3679,7 @@
     </p:spTree>
     <p:extLst>
       <p:ext uri="{BB962C8B-B14F-4D97-AF65-F5344CB8AC3E}">
-        <p14:creationId xmlns:p14="http://schemas.microsoft.com/office/powerpoint/2010/main" xmlns="" val="1685022444"/>
+        <p14:creationId xmlns="" xmlns:p14="http://schemas.microsoft.com/office/powerpoint/2010/main" val="1685022444"/>
       </p:ext>
     </p:extLst>
   </p:cSld>
@@ -3764,7 +3764,7 @@
     </p:spTree>
     <p:extLst>
       <p:ext uri="{BB962C8B-B14F-4D97-AF65-F5344CB8AC3E}">
-        <p14:creationId xmlns:p14="http://schemas.microsoft.com/office/powerpoint/2010/main" xmlns="" val="3294237695"/>
+        <p14:creationId xmlns="" xmlns:p14="http://schemas.microsoft.com/office/powerpoint/2010/main" val="3294237695"/>
       </p:ext>
     </p:extLst>
   </p:cSld>
@@ -3849,7 +3849,7 @@
     </p:spTree>
     <p:extLst>
       <p:ext uri="{BB962C8B-B14F-4D97-AF65-F5344CB8AC3E}">
-        <p14:creationId xmlns:p14="http://schemas.microsoft.com/office/powerpoint/2010/main" xmlns="" val="328384907"/>
+        <p14:creationId xmlns="" xmlns:p14="http://schemas.microsoft.com/office/powerpoint/2010/main" val="328384907"/>
       </p:ext>
     </p:extLst>
   </p:cSld>
@@ -7784,7 +7784,7 @@
           <p:nvPr>
             <p:extLst>
               <p:ext uri="{D42A27DB-BD31-4B8C-83A1-F6EECF244321}">
-                <p14:modId xmlns:p14="http://schemas.microsoft.com/office/powerpoint/2010/main" xmlns="" val="3696521689"/>
+                <p14:modId xmlns="" xmlns:p14="http://schemas.microsoft.com/office/powerpoint/2010/main" val="3696521689"/>
               </p:ext>
             </p:extLst>
           </p:nvPr>
@@ -7874,7 +7874,7 @@
           <a:blip r:embed="rId2" cstate="print">
             <a:extLst>
               <a:ext uri="{28A0092B-C50C-407E-A947-70E740481C1C}">
-                <a14:useLocalDpi xmlns:a14="http://schemas.microsoft.com/office/drawing/2010/main" xmlns="" val="0"/>
+                <a14:useLocalDpi xmlns="" xmlns:a14="http://schemas.microsoft.com/office/drawing/2010/main" val="0"/>
               </a:ext>
             </a:extLst>
           </a:blip>
@@ -7894,7 +7894,7 @@
           <a:noFill/>
           <a:extLst>
             <a:ext uri="{909E8E84-426E-40DD-AFC4-6F175D3DCCD1}">
-              <a14:hiddenFill xmlns:a14="http://schemas.microsoft.com/office/drawing/2010/main" xmlns="">
+              <a14:hiddenFill xmlns="" xmlns:a14="http://schemas.microsoft.com/office/drawing/2010/main">
                 <a:solidFill>
                   <a:srgbClr val="FFFFFF"/>
                 </a:solidFill>
@@ -7912,7 +7912,7 @@
           <p:nvPr>
             <p:extLst>
               <p:ext uri="{D42A27DB-BD31-4B8C-83A1-F6EECF244321}">
-                <p14:modId xmlns:p14="http://schemas.microsoft.com/office/powerpoint/2010/main" xmlns="" val="3478576524"/>
+                <p14:modId xmlns="" xmlns:p14="http://schemas.microsoft.com/office/powerpoint/2010/main" val="3478576524"/>
               </p:ext>
             </p:extLst>
           </p:nvPr>
@@ -8123,7 +8123,7 @@
     </p:spTree>
     <p:extLst>
       <p:ext uri="{BB962C8B-B14F-4D97-AF65-F5344CB8AC3E}">
-        <p14:creationId xmlns:p14="http://schemas.microsoft.com/office/powerpoint/2010/main" xmlns="" val="4165334171"/>
+        <p14:creationId xmlns="" xmlns:p14="http://schemas.microsoft.com/office/powerpoint/2010/main" val="4165334171"/>
       </p:ext>
     </p:extLst>
   </p:cSld>
@@ -8399,7 +8399,7 @@
           <a:blip r:embed="rId2" cstate="print">
             <a:extLst>
               <a:ext uri="{28A0092B-C50C-407E-A947-70E740481C1C}">
-                <a14:useLocalDpi xmlns:a14="http://schemas.microsoft.com/office/drawing/2010/main" xmlns="" val="0"/>
+                <a14:useLocalDpi xmlns="" xmlns:a14="http://schemas.microsoft.com/office/drawing/2010/main" val="0"/>
               </a:ext>
             </a:extLst>
           </a:blip>
@@ -8419,7 +8419,7 @@
           <a:noFill/>
           <a:extLst>
             <a:ext uri="{909E8E84-426E-40DD-AFC4-6F175D3DCCD1}">
-              <a14:hiddenFill xmlns:a14="http://schemas.microsoft.com/office/drawing/2010/main" xmlns="">
+              <a14:hiddenFill xmlns="" xmlns:a14="http://schemas.microsoft.com/office/drawing/2010/main">
                 <a:solidFill>
                   <a:srgbClr val="FFFFFF"/>
                 </a:solidFill>
@@ -8695,7 +8695,7 @@
     </p:spTree>
     <p:extLst>
       <p:ext uri="{BB962C8B-B14F-4D97-AF65-F5344CB8AC3E}">
-        <p14:creationId xmlns:p14="http://schemas.microsoft.com/office/powerpoint/2010/main" xmlns="" val="4188503847"/>
+        <p14:creationId xmlns="" xmlns:p14="http://schemas.microsoft.com/office/powerpoint/2010/main" val="4188503847"/>
       </p:ext>
     </p:extLst>
   </p:cSld>
@@ -9563,7 +9563,7 @@
           <a:blip r:embed="rId2" cstate="print">
             <a:extLst>
               <a:ext uri="{28A0092B-C50C-407E-A947-70E740481C1C}">
-                <a14:useLocalDpi xmlns:a14="http://schemas.microsoft.com/office/drawing/2010/main" xmlns="" val="0"/>
+                <a14:useLocalDpi xmlns="" xmlns:a14="http://schemas.microsoft.com/office/drawing/2010/main" val="0"/>
               </a:ext>
             </a:extLst>
           </a:blip>
@@ -9587,14 +9587,14 @@
           <a:effectLst/>
           <a:extLst>
             <a:ext uri="{909E8E84-426E-40DD-AFC4-6F175D3DCCD1}">
-              <a14:hiddenFill xmlns:a14="http://schemas.microsoft.com/office/drawing/2010/main" xmlns="">
+              <a14:hiddenFill xmlns="" xmlns:a14="http://schemas.microsoft.com/office/drawing/2010/main">
                 <a:solidFill>
                   <a:schemeClr val="accent1"/>
                 </a:solidFill>
               </a14:hiddenFill>
             </a:ext>
             <a:ext uri="{91240B29-F687-4F45-9708-019B960494DF}">
-              <a14:hiddenLine xmlns:a14="http://schemas.microsoft.com/office/drawing/2010/main" xmlns="" w="9525">
+              <a14:hiddenLine xmlns="" xmlns:a14="http://schemas.microsoft.com/office/drawing/2010/main" w="9525">
                 <a:solidFill>
                   <a:schemeClr val="tx1"/>
                 </a:solidFill>
@@ -9604,7 +9604,7 @@
               </a14:hiddenLine>
             </a:ext>
             <a:ext uri="{AF507438-7753-43E0-B8FC-AC1667EBCBE1}">
-              <a14:hiddenEffects xmlns:a14="http://schemas.microsoft.com/office/drawing/2010/main" xmlns="">
+              <a14:hiddenEffects xmlns="" xmlns:a14="http://schemas.microsoft.com/office/drawing/2010/main">
                 <a:effectLst>
                   <a:outerShdw dist="35921" dir="2700000" algn="ctr" rotWithShape="0">
                     <a:schemeClr val="bg2"/>
@@ -9618,7 +9618,7 @@
     </p:spTree>
     <p:extLst>
       <p:ext uri="{BB962C8B-B14F-4D97-AF65-F5344CB8AC3E}">
-        <p14:creationId xmlns:p14="http://schemas.microsoft.com/office/powerpoint/2010/main" xmlns="" val="1896188625"/>
+        <p14:creationId xmlns="" xmlns:p14="http://schemas.microsoft.com/office/powerpoint/2010/main" val="1896188625"/>
       </p:ext>
     </p:extLst>
   </p:cSld>
@@ -9708,7 +9708,7 @@
           <a:blip r:embed="rId3" cstate="print">
             <a:extLst>
               <a:ext uri="{28A0092B-C50C-407E-A947-70E740481C1C}">
-                <a14:useLocalDpi xmlns:a14="http://schemas.microsoft.com/office/drawing/2010/main" xmlns="" val="0"/>
+                <a14:useLocalDpi xmlns="" xmlns:a14="http://schemas.microsoft.com/office/drawing/2010/main" val="0"/>
               </a:ext>
             </a:extLst>
           </a:blip>
@@ -9728,7 +9728,7 @@
           <a:noFill/>
           <a:extLst>
             <a:ext uri="{909E8E84-426E-40DD-AFC4-6F175D3DCCD1}">
-              <a14:hiddenFill xmlns:a14="http://schemas.microsoft.com/office/drawing/2010/main" xmlns="">
+              <a14:hiddenFill xmlns="" xmlns:a14="http://schemas.microsoft.com/office/drawing/2010/main">
                 <a:solidFill>
                   <a:srgbClr val="FFFFFF"/>
                 </a:solidFill>
@@ -9740,7 +9740,7 @@
     </p:spTree>
     <p:extLst>
       <p:ext uri="{BB962C8B-B14F-4D97-AF65-F5344CB8AC3E}">
-        <p14:creationId xmlns:p14="http://schemas.microsoft.com/office/powerpoint/2010/main" xmlns="" val="1417486241"/>
+        <p14:creationId xmlns="" xmlns:p14="http://schemas.microsoft.com/office/powerpoint/2010/main" val="1417486241"/>
       </p:ext>
     </p:extLst>
   </p:cSld>
@@ -10152,7 +10152,7 @@
     </p:spTree>
     <p:extLst>
       <p:ext uri="{BB962C8B-B14F-4D97-AF65-F5344CB8AC3E}">
-        <p14:creationId xmlns:p14="http://schemas.microsoft.com/office/powerpoint/2010/main" xmlns="" val="952316739"/>
+        <p14:creationId xmlns="" xmlns:p14="http://schemas.microsoft.com/office/powerpoint/2010/main" val="952316739"/>
       </p:ext>
     </p:extLst>
   </p:cSld>
@@ -10160,7 +10160,7 @@
     <a:masterClrMapping/>
   </p:clrMapOvr>
   <mc:AlternateContent xmlns:mc="http://schemas.openxmlformats.org/markup-compatibility/2006">
-    <mc:Choice xmlns:p14="http://schemas.microsoft.com/office/powerpoint/2010/main" xmlns="" Requires="p14">
+    <mc:Choice xmlns="" xmlns:p14="http://schemas.microsoft.com/office/powerpoint/2010/main" Requires="p14">
       <p:transition spd="slow" p14:dur="2000"/>
     </mc:Choice>
     <mc:Fallback>
@@ -10332,7 +10332,7 @@
           <a:blip r:embed="rId3" cstate="print">
             <a:extLst>
               <a:ext uri="{28A0092B-C50C-407E-A947-70E740481C1C}">
-                <a14:useLocalDpi xmlns:a14="http://schemas.microsoft.com/office/drawing/2010/main" xmlns="" val="0"/>
+                <a14:useLocalDpi xmlns="" xmlns:a14="http://schemas.microsoft.com/office/drawing/2010/main" val="0"/>
               </a:ext>
             </a:extLst>
           </a:blip>
@@ -10352,7 +10352,7 @@
           <a:noFill/>
           <a:extLst>
             <a:ext uri="{909E8E84-426E-40DD-AFC4-6F175D3DCCD1}">
-              <a14:hiddenFill xmlns:a14="http://schemas.microsoft.com/office/drawing/2010/main" xmlns="">
+              <a14:hiddenFill xmlns="" xmlns:a14="http://schemas.microsoft.com/office/drawing/2010/main">
                 <a:solidFill>
                   <a:srgbClr val="FFFFFF"/>
                 </a:solidFill>
@@ -10456,7 +10456,7 @@
     </p:spTree>
     <p:extLst>
       <p:ext uri="{BB962C8B-B14F-4D97-AF65-F5344CB8AC3E}">
-        <p14:creationId xmlns:p14="http://schemas.microsoft.com/office/powerpoint/2010/main" xmlns="" val="1824602548"/>
+        <p14:creationId xmlns="" xmlns:p14="http://schemas.microsoft.com/office/powerpoint/2010/main" val="1824602548"/>
       </p:ext>
     </p:extLst>
   </p:cSld>
@@ -10679,7 +10679,7 @@
           <a:blip r:embed="rId3" cstate="print">
             <a:extLst>
               <a:ext uri="{28A0092B-C50C-407E-A947-70E740481C1C}">
-                <a14:useLocalDpi xmlns:a14="http://schemas.microsoft.com/office/drawing/2010/main" xmlns="" val="0"/>
+                <a14:useLocalDpi xmlns="" xmlns:a14="http://schemas.microsoft.com/office/drawing/2010/main" val="0"/>
               </a:ext>
             </a:extLst>
           </a:blip>
@@ -10699,7 +10699,7 @@
           <a:noFill/>
           <a:extLst>
             <a:ext uri="{909E8E84-426E-40DD-AFC4-6F175D3DCCD1}">
-              <a14:hiddenFill xmlns:a14="http://schemas.microsoft.com/office/drawing/2010/main" xmlns="">
+              <a14:hiddenFill xmlns="" xmlns:a14="http://schemas.microsoft.com/office/drawing/2010/main">
                 <a:solidFill>
                   <a:srgbClr val="FFFFFF"/>
                 </a:solidFill>
@@ -10757,7 +10757,7 @@
     </p:spTree>
     <p:extLst>
       <p:ext uri="{BB962C8B-B14F-4D97-AF65-F5344CB8AC3E}">
-        <p14:creationId xmlns:p14="http://schemas.microsoft.com/office/powerpoint/2010/main" xmlns="" val="4209306795"/>
+        <p14:creationId xmlns="" xmlns:p14="http://schemas.microsoft.com/office/powerpoint/2010/main" val="4209306795"/>
       </p:ext>
     </p:extLst>
   </p:cSld>
@@ -10929,7 +10929,7 @@
           <a:blip r:embed="rId3" cstate="print">
             <a:extLst>
               <a:ext uri="{28A0092B-C50C-407E-A947-70E740481C1C}">
-                <a14:useLocalDpi xmlns:a14="http://schemas.microsoft.com/office/drawing/2010/main" xmlns="" val="0"/>
+                <a14:useLocalDpi xmlns="" xmlns:a14="http://schemas.microsoft.com/office/drawing/2010/main" val="0"/>
               </a:ext>
             </a:extLst>
           </a:blip>
@@ -10949,7 +10949,7 @@
           <a:noFill/>
           <a:extLst>
             <a:ext uri="{909E8E84-426E-40DD-AFC4-6F175D3DCCD1}">
-              <a14:hiddenFill xmlns:a14="http://schemas.microsoft.com/office/drawing/2010/main" xmlns="">
+              <a14:hiddenFill xmlns="" xmlns:a14="http://schemas.microsoft.com/office/drawing/2010/main">
                 <a:solidFill>
                   <a:srgbClr val="FFFFFF"/>
                 </a:solidFill>
@@ -10961,7 +10961,7 @@
     </p:spTree>
     <p:extLst>
       <p:ext uri="{BB962C8B-B14F-4D97-AF65-F5344CB8AC3E}">
-        <p14:creationId xmlns:p14="http://schemas.microsoft.com/office/powerpoint/2010/main" xmlns="" val="3701313841"/>
+        <p14:creationId xmlns="" xmlns:p14="http://schemas.microsoft.com/office/powerpoint/2010/main" val="3701313841"/>
       </p:ext>
     </p:extLst>
   </p:cSld>
@@ -11054,7 +11054,7 @@
           <a:blip r:embed="rId3" cstate="print">
             <a:extLst>
               <a:ext uri="{28A0092B-C50C-407E-A947-70E740481C1C}">
-                <a14:useLocalDpi xmlns:a14="http://schemas.microsoft.com/office/drawing/2010/main" xmlns="" val="0"/>
+                <a14:useLocalDpi xmlns="" xmlns:a14="http://schemas.microsoft.com/office/drawing/2010/main" val="0"/>
               </a:ext>
             </a:extLst>
           </a:blip>
@@ -11074,7 +11074,7 @@
           <a:noFill/>
           <a:extLst>
             <a:ext uri="{909E8E84-426E-40DD-AFC4-6F175D3DCCD1}">
-              <a14:hiddenFill xmlns:a14="http://schemas.microsoft.com/office/drawing/2010/main" xmlns="">
+              <a14:hiddenFill xmlns="" xmlns:a14="http://schemas.microsoft.com/office/drawing/2010/main">
                 <a:solidFill>
                   <a:srgbClr val="FFFFFF"/>
                 </a:solidFill>
@@ -11086,7 +11086,7 @@
     </p:spTree>
     <p:extLst>
       <p:ext uri="{BB962C8B-B14F-4D97-AF65-F5344CB8AC3E}">
-        <p14:creationId xmlns:p14="http://schemas.microsoft.com/office/powerpoint/2010/main" xmlns="" val="1653549512"/>
+        <p14:creationId xmlns="" xmlns:p14="http://schemas.microsoft.com/office/powerpoint/2010/main" val="1653549512"/>
       </p:ext>
     </p:extLst>
   </p:cSld>
@@ -11135,7 +11135,7 @@
           <a:blip r:embed="rId3" cstate="print">
             <a:extLst>
               <a:ext uri="{28A0092B-C50C-407E-A947-70E740481C1C}">
-                <a14:useLocalDpi xmlns:a14="http://schemas.microsoft.com/office/drawing/2010/main" xmlns="" val="0"/>
+                <a14:useLocalDpi xmlns="" xmlns:a14="http://schemas.microsoft.com/office/drawing/2010/main" val="0"/>
               </a:ext>
             </a:extLst>
           </a:blip>
@@ -11155,7 +11155,7 @@
           <a:noFill/>
           <a:extLst>
             <a:ext uri="{909E8E84-426E-40DD-AFC4-6F175D3DCCD1}">
-              <a14:hiddenFill xmlns:a14="http://schemas.microsoft.com/office/drawing/2010/main" xmlns="">
+              <a14:hiddenFill xmlns="" xmlns:a14="http://schemas.microsoft.com/office/drawing/2010/main">
                 <a:solidFill>
                   <a:srgbClr val="FFFFFF"/>
                 </a:solidFill>
@@ -11205,7 +11205,7 @@
     </p:spTree>
     <p:extLst>
       <p:ext uri="{BB962C8B-B14F-4D97-AF65-F5344CB8AC3E}">
-        <p14:creationId xmlns:p14="http://schemas.microsoft.com/office/powerpoint/2010/main" xmlns="" val="2424786554"/>
+        <p14:creationId xmlns="" xmlns:p14="http://schemas.microsoft.com/office/powerpoint/2010/main" val="2424786554"/>
       </p:ext>
     </p:extLst>
   </p:cSld>
@@ -11483,7 +11483,7 @@
           <a:blip r:embed="rId3" cstate="print">
             <a:extLst>
               <a:ext uri="{28A0092B-C50C-407E-A947-70E740481C1C}">
-                <a14:useLocalDpi xmlns:a14="http://schemas.microsoft.com/office/drawing/2010/main" xmlns="" val="0"/>
+                <a14:useLocalDpi xmlns="" xmlns:a14="http://schemas.microsoft.com/office/drawing/2010/main" val="0"/>
               </a:ext>
             </a:extLst>
           </a:blip>
@@ -11503,7 +11503,7 @@
           <a:noFill/>
           <a:extLst>
             <a:ext uri="{909E8E84-426E-40DD-AFC4-6F175D3DCCD1}">
-              <a14:hiddenFill xmlns:a14="http://schemas.microsoft.com/office/drawing/2010/main" xmlns="">
+              <a14:hiddenFill xmlns="" xmlns:a14="http://schemas.microsoft.com/office/drawing/2010/main">
                 <a:solidFill>
                   <a:srgbClr val="FFFFFF"/>
                 </a:solidFill>
@@ -11524,7 +11524,7 @@
           <a:blip r:embed="rId4" cstate="print">
             <a:extLst>
               <a:ext uri="{28A0092B-C50C-407E-A947-70E740481C1C}">
-                <a14:useLocalDpi xmlns:a14="http://schemas.microsoft.com/office/drawing/2010/main" xmlns="" val="0"/>
+                <a14:useLocalDpi xmlns="" xmlns:a14="http://schemas.microsoft.com/office/drawing/2010/main" val="0"/>
               </a:ext>
             </a:extLst>
           </a:blip>
@@ -11544,7 +11544,7 @@
           <a:noFill/>
           <a:extLst>
             <a:ext uri="{909E8E84-426E-40DD-AFC4-6F175D3DCCD1}">
-              <a14:hiddenFill xmlns:a14="http://schemas.microsoft.com/office/drawing/2010/main" xmlns="">
+              <a14:hiddenFill xmlns="" xmlns:a14="http://schemas.microsoft.com/office/drawing/2010/main">
                 <a:solidFill>
                   <a:srgbClr val="FFFFFF"/>
                 </a:solidFill>
@@ -11556,7 +11556,7 @@
     </p:spTree>
     <p:extLst>
       <p:ext uri="{BB962C8B-B14F-4D97-AF65-F5344CB8AC3E}">
-        <p14:creationId xmlns:p14="http://schemas.microsoft.com/office/powerpoint/2010/main" xmlns="" val="2708678656"/>
+        <p14:creationId xmlns="" xmlns:p14="http://schemas.microsoft.com/office/powerpoint/2010/main" val="2708678656"/>
       </p:ext>
     </p:extLst>
   </p:cSld>
@@ -11934,7 +11934,7 @@
           <a:blip r:embed="rId2" cstate="print">
             <a:extLst>
               <a:ext uri="{28A0092B-C50C-407E-A947-70E740481C1C}">
-                <a14:useLocalDpi xmlns="" xmlns:a14="http://schemas.microsoft.com/office/drawing/2010/main" val="0"/>
+                <a14:useLocalDpi xmlns:a14="http://schemas.microsoft.com/office/drawing/2010/main" xmlns="" val="0"/>
               </a:ext>
             </a:extLst>
           </a:blip>
@@ -11964,7 +11964,7 @@
           <a:blip r:embed="rId3" cstate="print">
             <a:extLst>
               <a:ext uri="{28A0092B-C50C-407E-A947-70E740481C1C}">
-                <a14:useLocalDpi xmlns="" xmlns:a14="http://schemas.microsoft.com/office/drawing/2010/main" val="0"/>
+                <a14:useLocalDpi xmlns:a14="http://schemas.microsoft.com/office/drawing/2010/main" xmlns="" val="0"/>
               </a:ext>
             </a:extLst>
           </a:blip>
@@ -11994,7 +11994,7 @@
           <a:blip r:embed="rId4" cstate="print">
             <a:extLst>
               <a:ext uri="{28A0092B-C50C-407E-A947-70E740481C1C}">
-                <a14:useLocalDpi xmlns="" xmlns:a14="http://schemas.microsoft.com/office/drawing/2010/main" val="0"/>
+                <a14:useLocalDpi xmlns:a14="http://schemas.microsoft.com/office/drawing/2010/main" xmlns="" val="0"/>
               </a:ext>
             </a:extLst>
           </a:blip>
@@ -12024,7 +12024,7 @@
           <a:blip r:embed="rId5" cstate="print">
             <a:extLst>
               <a:ext uri="{28A0092B-C50C-407E-A947-70E740481C1C}">
-                <a14:useLocalDpi xmlns="" xmlns:a14="http://schemas.microsoft.com/office/drawing/2010/main" val="0"/>
+                <a14:useLocalDpi xmlns:a14="http://schemas.microsoft.com/office/drawing/2010/main" xmlns="" val="0"/>
               </a:ext>
             </a:extLst>
           </a:blip>
@@ -12045,7 +12045,7 @@
     </p:spTree>
     <p:extLst>
       <p:ext uri="{BB962C8B-B14F-4D97-AF65-F5344CB8AC3E}">
-        <p14:creationId xmlns="" xmlns:p14="http://schemas.microsoft.com/office/powerpoint/2010/main" val="1088448615"/>
+        <p14:creationId xmlns:p14="http://schemas.microsoft.com/office/powerpoint/2010/main" xmlns="" val="1088448615"/>
       </p:ext>
     </p:extLst>
   </p:cSld>
@@ -12116,7 +12116,7 @@
     </p:spTree>
     <p:extLst>
       <p:ext uri="{BB962C8B-B14F-4D97-AF65-F5344CB8AC3E}">
-        <p14:creationId xmlns:p14="http://schemas.microsoft.com/office/powerpoint/2010/main" xmlns="" val="2865657727"/>
+        <p14:creationId xmlns="" xmlns:p14="http://schemas.microsoft.com/office/powerpoint/2010/main" val="2865657727"/>
       </p:ext>
     </p:extLst>
   </p:cSld>
@@ -12466,7 +12466,7 @@
           <a:blip r:embed="rId2" cstate="print">
             <a:extLst>
               <a:ext uri="{28A0092B-C50C-407E-A947-70E740481C1C}">
-                <a14:useLocalDpi xmlns:a14="http://schemas.microsoft.com/office/drawing/2010/main" xmlns="" val="0"/>
+                <a14:useLocalDpi xmlns="" xmlns:a14="http://schemas.microsoft.com/office/drawing/2010/main" val="0"/>
               </a:ext>
             </a:extLst>
           </a:blip>
@@ -12486,7 +12486,7 @@
           <a:noFill/>
           <a:extLst>
             <a:ext uri="{909E8E84-426E-40DD-AFC4-6F175D3DCCD1}">
-              <a14:hiddenFill xmlns:a14="http://schemas.microsoft.com/office/drawing/2010/main" xmlns="">
+              <a14:hiddenFill xmlns="" xmlns:a14="http://schemas.microsoft.com/office/drawing/2010/main">
                 <a:solidFill>
                   <a:srgbClr val="FFFFFF"/>
                 </a:solidFill>
@@ -12673,7 +12673,7 @@
     </p:spTree>
     <p:extLst>
       <p:ext uri="{BB962C8B-B14F-4D97-AF65-F5344CB8AC3E}">
-        <p14:creationId xmlns:p14="http://schemas.microsoft.com/office/powerpoint/2010/main" xmlns="" val="1421053857"/>
+        <p14:creationId xmlns="" xmlns:p14="http://schemas.microsoft.com/office/powerpoint/2010/main" val="1421053857"/>
       </p:ext>
     </p:extLst>
   </p:cSld>
@@ -12996,7 +12996,7 @@
           <a:blip r:embed="rId2" cstate="print">
             <a:extLst>
               <a:ext uri="{28A0092B-C50C-407E-A947-70E740481C1C}">
-                <a14:useLocalDpi xmlns:a14="http://schemas.microsoft.com/office/drawing/2010/main" xmlns="" val="0"/>
+                <a14:useLocalDpi xmlns="" xmlns:a14="http://schemas.microsoft.com/office/drawing/2010/main" val="0"/>
               </a:ext>
             </a:extLst>
           </a:blip>
@@ -13017,7 +13017,7 @@
     </p:spTree>
     <p:extLst>
       <p:ext uri="{BB962C8B-B14F-4D97-AF65-F5344CB8AC3E}">
-        <p14:creationId xmlns:p14="http://schemas.microsoft.com/office/powerpoint/2010/main" xmlns="" val="966444375"/>
+        <p14:creationId xmlns="" xmlns:p14="http://schemas.microsoft.com/office/powerpoint/2010/main" val="966444375"/>
       </p:ext>
     </p:extLst>
   </p:cSld>
@@ -13348,7 +13348,7 @@
     </p:spTree>
     <p:extLst>
       <p:ext uri="{BB962C8B-B14F-4D97-AF65-F5344CB8AC3E}">
-        <p14:creationId xmlns:p14="http://schemas.microsoft.com/office/powerpoint/2010/main" xmlns="" val="529095658"/>
+        <p14:creationId xmlns="" xmlns:p14="http://schemas.microsoft.com/office/powerpoint/2010/main" val="529095658"/>
       </p:ext>
     </p:extLst>
   </p:cSld>
@@ -13567,7 +13567,7 @@
       </p:sp>
       <p:pic>
         <p:nvPicPr>
-          <p:cNvPr id="4" name="Immagine 3"/>
+          <p:cNvPr id="5" name="Immagine 4"/>
           <p:cNvPicPr>
             <a:picLocks noChangeAspect="1"/>
           </p:cNvPicPr>
@@ -13577,7 +13577,7 @@
           <a:blip r:embed="rId2" cstate="print">
             <a:extLst>
               <a:ext uri="{28A0092B-C50C-407E-A947-70E740481C1C}">
-                <a14:useLocalDpi xmlns:a14="http://schemas.microsoft.com/office/drawing/2010/main" xmlns="" val="0"/>
+                <a14:useLocalDpi xmlns="" xmlns:a14="http://schemas.microsoft.com/office/drawing/2010/main" xmlns:lc="http://schemas.openxmlformats.org/drawingml/2006/lockedCanvas" val="0"/>
               </a:ext>
             </a:extLst>
           </a:blip>
@@ -13587,8 +13587,8 @@
         </p:blipFill>
         <p:spPr>
           <a:xfrm>
-            <a:off x="4355976" y="2768729"/>
-            <a:ext cx="2160239" cy="2604487"/>
+            <a:off x="3707904" y="2996952"/>
+            <a:ext cx="3333750" cy="3333750"/>
           </a:xfrm>
           <a:prstGeom prst="rect">
             <a:avLst/>
@@ -13598,7 +13598,7 @@
     </p:spTree>
     <p:extLst>
       <p:ext uri="{BB962C8B-B14F-4D97-AF65-F5344CB8AC3E}">
-        <p14:creationId xmlns:p14="http://schemas.microsoft.com/office/powerpoint/2010/main" xmlns="" val="2537338845"/>
+        <p14:creationId xmlns="" xmlns:p14="http://schemas.microsoft.com/office/powerpoint/2010/main" val="2537338845"/>
       </p:ext>
     </p:extLst>
   </p:cSld>
@@ -13664,7 +13664,7 @@
                                 </p:cTn>
                               </p:par>
                               <p:par>
-                                <p:cTn id="8" presetID="16" presetClass="entr" presetSubtype="26" fill="hold" nodeType="withEffect">
+                                <p:cTn id="8" presetID="1" presetClass="entr" presetSubtype="0" fill="hold" nodeType="withEffect">
                                   <p:stCondLst>
                                     <p:cond delay="0"/>
                                   </p:stCondLst>
@@ -13677,7 +13677,7 @@
                                           </p:stCondLst>
                                         </p:cTn>
                                         <p:tgtEl>
-                                          <p:spTgt spid="4"/>
+                                          <p:spTgt spid="5"/>
                                         </p:tgtEl>
                                         <p:attrNameLst>
                                           <p:attrName>style.visibility</p:attrName>
@@ -13687,14 +13687,6 @@
                                         <p:strVal val="visible"/>
                                       </p:to>
                                     </p:set>
-                                    <p:animEffect transition="in" filter="barn(inHorizontal)">
-                                      <p:cBhvr>
-                                        <p:cTn id="10" dur="500"/>
-                                        <p:tgtEl>
-                                          <p:spTgt spid="4"/>
-                                        </p:tgtEl>
-                                      </p:cBhvr>
-                                    </p:animEffect>
                                   </p:childTnLst>
                                 </p:cTn>
                               </p:par>
@@ -13800,7 +13792,7 @@
           <a:blip r:embed="rId2" cstate="print">
             <a:extLst>
               <a:ext uri="{28A0092B-C50C-407E-A947-70E740481C1C}">
-                <a14:useLocalDpi xmlns:a14="http://schemas.microsoft.com/office/drawing/2010/main" xmlns="" val="0"/>
+                <a14:useLocalDpi xmlns="" xmlns:a14="http://schemas.microsoft.com/office/drawing/2010/main" val="0"/>
               </a:ext>
             </a:extLst>
           </a:blip>
@@ -13856,7 +13848,7 @@
     </p:spTree>
     <p:extLst>
       <p:ext uri="{BB962C8B-B14F-4D97-AF65-F5344CB8AC3E}">
-        <p14:creationId xmlns:p14="http://schemas.microsoft.com/office/powerpoint/2010/main" xmlns="" val="422123805"/>
+        <p14:creationId xmlns="" xmlns:p14="http://schemas.microsoft.com/office/powerpoint/2010/main" val="422123805"/>
       </p:ext>
     </p:extLst>
   </p:cSld>
@@ -13975,7 +13967,7 @@
           <a:blip r:embed="rId2" cstate="print">
             <a:extLst>
               <a:ext uri="{28A0092B-C50C-407E-A947-70E740481C1C}">
-                <a14:useLocalDpi xmlns:a14="http://schemas.microsoft.com/office/drawing/2010/main" xmlns="" val="0"/>
+                <a14:useLocalDpi xmlns="" xmlns:a14="http://schemas.microsoft.com/office/drawing/2010/main" val="0"/>
               </a:ext>
             </a:extLst>
           </a:blip>
@@ -14030,7 +14022,7 @@
     </p:spTree>
     <p:extLst>
       <p:ext uri="{BB962C8B-B14F-4D97-AF65-F5344CB8AC3E}">
-        <p14:creationId xmlns:p14="http://schemas.microsoft.com/office/powerpoint/2010/main" xmlns="" val="247169405"/>
+        <p14:creationId xmlns="" xmlns:p14="http://schemas.microsoft.com/office/powerpoint/2010/main" val="247169405"/>
       </p:ext>
     </p:extLst>
   </p:cSld>
@@ -14118,7 +14110,7 @@
           <a:blip r:embed="rId2" cstate="print">
             <a:extLst>
               <a:ext uri="{28A0092B-C50C-407E-A947-70E740481C1C}">
-                <a14:useLocalDpi xmlns:a14="http://schemas.microsoft.com/office/drawing/2010/main" xmlns="" val="0"/>
+                <a14:useLocalDpi xmlns="" xmlns:a14="http://schemas.microsoft.com/office/drawing/2010/main" val="0"/>
               </a:ext>
             </a:extLst>
           </a:blip>
@@ -14174,7 +14166,7 @@
     </p:spTree>
     <p:extLst>
       <p:ext uri="{BB962C8B-B14F-4D97-AF65-F5344CB8AC3E}">
-        <p14:creationId xmlns:p14="http://schemas.microsoft.com/office/powerpoint/2010/main" xmlns="" val="1376204328"/>
+        <p14:creationId xmlns="" xmlns:p14="http://schemas.microsoft.com/office/powerpoint/2010/main" val="1376204328"/>
       </p:ext>
     </p:extLst>
   </p:cSld>
@@ -14262,7 +14254,7 @@
           <a:blip r:embed="rId2" cstate="print">
             <a:extLst>
               <a:ext uri="{28A0092B-C50C-407E-A947-70E740481C1C}">
-                <a14:useLocalDpi xmlns:a14="http://schemas.microsoft.com/office/drawing/2010/main" xmlns="" val="0"/>
+                <a14:useLocalDpi xmlns="" xmlns:a14="http://schemas.microsoft.com/office/drawing/2010/main" val="0"/>
               </a:ext>
             </a:extLst>
           </a:blip>
@@ -14321,7 +14313,7 @@
     </p:spTree>
     <p:extLst>
       <p:ext uri="{BB962C8B-B14F-4D97-AF65-F5344CB8AC3E}">
-        <p14:creationId xmlns:p14="http://schemas.microsoft.com/office/powerpoint/2010/main" xmlns="" val="1545582615"/>
+        <p14:creationId xmlns="" xmlns:p14="http://schemas.microsoft.com/office/powerpoint/2010/main" val="1545582615"/>
       </p:ext>
     </p:extLst>
   </p:cSld>
@@ -14557,7 +14549,7 @@
           <a:blip r:embed="rId2" cstate="print">
             <a:extLst>
               <a:ext uri="{28A0092B-C50C-407E-A947-70E740481C1C}">
-                <a14:useLocalDpi xmlns="" xmlns:a14="http://schemas.microsoft.com/office/drawing/2010/main" val="0"/>
+                <a14:useLocalDpi xmlns:a14="http://schemas.microsoft.com/office/drawing/2010/main" xmlns="" val="0"/>
               </a:ext>
             </a:extLst>
           </a:blip>
@@ -14581,14 +14573,14 @@
           <a:effectLst/>
           <a:extLst>
             <a:ext uri="{909E8E84-426E-40DD-AFC4-6F175D3DCCD1}">
-              <a14:hiddenFill xmlns="" xmlns:a14="http://schemas.microsoft.com/office/drawing/2010/main">
+              <a14:hiddenFill xmlns:a14="http://schemas.microsoft.com/office/drawing/2010/main" xmlns="">
                 <a:solidFill>
                   <a:schemeClr val="accent1"/>
                 </a:solidFill>
               </a14:hiddenFill>
             </a:ext>
             <a:ext uri="{91240B29-F687-4F45-9708-019B960494DF}">
-              <a14:hiddenLine xmlns="" xmlns:a14="http://schemas.microsoft.com/office/drawing/2010/main" w="9525">
+              <a14:hiddenLine xmlns:a14="http://schemas.microsoft.com/office/drawing/2010/main" xmlns="" w="9525">
                 <a:solidFill>
                   <a:schemeClr val="tx1"/>
                 </a:solidFill>
@@ -14598,7 +14590,7 @@
               </a14:hiddenLine>
             </a:ext>
             <a:ext uri="{AF507438-7753-43E0-B8FC-AC1667EBCBE1}">
-              <a14:hiddenEffects xmlns="" xmlns:a14="http://schemas.microsoft.com/office/drawing/2010/main">
+              <a14:hiddenEffects xmlns:a14="http://schemas.microsoft.com/office/drawing/2010/main" xmlns="">
                 <a:effectLst>
                   <a:outerShdw dist="35921" dir="2700000" algn="ctr" rotWithShape="0">
                     <a:schemeClr val="bg2"/>
@@ -14612,7 +14604,7 @@
     </p:spTree>
     <p:extLst>
       <p:ext uri="{BB962C8B-B14F-4D97-AF65-F5344CB8AC3E}">
-        <p14:creationId xmlns="" xmlns:p14="http://schemas.microsoft.com/office/powerpoint/2010/main" val="155874689"/>
+        <p14:creationId xmlns:p14="http://schemas.microsoft.com/office/powerpoint/2010/main" xmlns="" val="155874689"/>
       </p:ext>
     </p:extLst>
   </p:cSld>
@@ -14620,7 +14612,7 @@
     <a:masterClrMapping/>
   </p:clrMapOvr>
   <mc:AlternateContent xmlns:mc="http://schemas.openxmlformats.org/markup-compatibility/2006">
-    <mc:Choice xmlns="" xmlns:p14="http://schemas.microsoft.com/office/powerpoint/2010/main" Requires="p14">
+    <mc:Choice xmlns:p14="http://schemas.microsoft.com/office/powerpoint/2010/main" xmlns="" Requires="p14">
       <p:transition spd="slow" p14:dur="2000"/>
     </mc:Choice>
     <mc:Fallback>
@@ -14705,7 +14697,7 @@
           <a:blip r:embed="rId2" cstate="print">
             <a:extLst>
               <a:ext uri="{28A0092B-C50C-407E-A947-70E740481C1C}">
-                <a14:useLocalDpi xmlns:a14="http://schemas.microsoft.com/office/drawing/2010/main" xmlns="" val="0"/>
+                <a14:useLocalDpi xmlns="" xmlns:a14="http://schemas.microsoft.com/office/drawing/2010/main" val="0"/>
               </a:ext>
             </a:extLst>
           </a:blip>
@@ -14726,7 +14718,7 @@
     </p:spTree>
     <p:extLst>
       <p:ext uri="{BB962C8B-B14F-4D97-AF65-F5344CB8AC3E}">
-        <p14:creationId xmlns:p14="http://schemas.microsoft.com/office/powerpoint/2010/main" xmlns="" val="1296864160"/>
+        <p14:creationId xmlns="" xmlns:p14="http://schemas.microsoft.com/office/powerpoint/2010/main" val="1296864160"/>
       </p:ext>
     </p:extLst>
   </p:cSld>
@@ -14807,7 +14799,7 @@
           <a:blip r:embed="rId2" cstate="print">
             <a:extLst>
               <a:ext uri="{28A0092B-C50C-407E-A947-70E740481C1C}">
-                <a14:useLocalDpi xmlns:a14="http://schemas.microsoft.com/office/drawing/2010/main" xmlns="" val="0"/>
+                <a14:useLocalDpi xmlns="" xmlns:a14="http://schemas.microsoft.com/office/drawing/2010/main" val="0"/>
               </a:ext>
             </a:extLst>
           </a:blip>
@@ -14862,7 +14854,7 @@
     </p:spTree>
     <p:extLst>
       <p:ext uri="{BB962C8B-B14F-4D97-AF65-F5344CB8AC3E}">
-        <p14:creationId xmlns:p14="http://schemas.microsoft.com/office/powerpoint/2010/main" xmlns="" val="518928479"/>
+        <p14:creationId xmlns="" xmlns:p14="http://schemas.microsoft.com/office/powerpoint/2010/main" val="518928479"/>
       </p:ext>
     </p:extLst>
   </p:cSld>
@@ -14945,7 +14937,7 @@
           <a:blip r:embed="rId2" cstate="print">
             <a:extLst>
               <a:ext uri="{28A0092B-C50C-407E-A947-70E740481C1C}">
-                <a14:useLocalDpi xmlns:a14="http://schemas.microsoft.com/office/drawing/2010/main" xmlns="" val="0"/>
+                <a14:useLocalDpi xmlns="" xmlns:a14="http://schemas.microsoft.com/office/drawing/2010/main" val="0"/>
               </a:ext>
             </a:extLst>
           </a:blip>
@@ -14966,7 +14958,7 @@
     </p:spTree>
     <p:extLst>
       <p:ext uri="{BB962C8B-B14F-4D97-AF65-F5344CB8AC3E}">
-        <p14:creationId xmlns:p14="http://schemas.microsoft.com/office/powerpoint/2010/main" xmlns="" val="4136420094"/>
+        <p14:creationId xmlns="" xmlns:p14="http://schemas.microsoft.com/office/powerpoint/2010/main" val="4136420094"/>
       </p:ext>
     </p:extLst>
   </p:cSld>
@@ -15051,7 +15043,7 @@
           <a:blip r:embed="rId2" cstate="print">
             <a:extLst>
               <a:ext uri="{28A0092B-C50C-407E-A947-70E740481C1C}">
-                <a14:useLocalDpi xmlns:a14="http://schemas.microsoft.com/office/drawing/2010/main" xmlns="" val="0"/>
+                <a14:useLocalDpi xmlns="" xmlns:a14="http://schemas.microsoft.com/office/drawing/2010/main" val="0"/>
               </a:ext>
             </a:extLst>
           </a:blip>
@@ -15103,7 +15095,7 @@
     </p:spTree>
     <p:extLst>
       <p:ext uri="{BB962C8B-B14F-4D97-AF65-F5344CB8AC3E}">
-        <p14:creationId xmlns:p14="http://schemas.microsoft.com/office/powerpoint/2010/main" xmlns="" val="2535709406"/>
+        <p14:creationId xmlns="" xmlns:p14="http://schemas.microsoft.com/office/powerpoint/2010/main" val="2535709406"/>
       </p:ext>
     </p:extLst>
   </p:cSld>
@@ -15305,7 +15297,7 @@
     </p:spTree>
     <p:extLst>
       <p:ext uri="{BB962C8B-B14F-4D97-AF65-F5344CB8AC3E}">
-        <p14:creationId xmlns:p14="http://schemas.microsoft.com/office/powerpoint/2010/main" xmlns="" val="2176004432"/>
+        <p14:creationId xmlns="" xmlns:p14="http://schemas.microsoft.com/office/powerpoint/2010/main" val="2176004432"/>
       </p:ext>
     </p:extLst>
   </p:cSld>
@@ -15605,7 +15597,7 @@
     </p:spTree>
     <p:extLst>
       <p:ext uri="{BB962C8B-B14F-4D97-AF65-F5344CB8AC3E}">
-        <p14:creationId xmlns:p14="http://schemas.microsoft.com/office/powerpoint/2010/main" xmlns="" val="1143488046"/>
+        <p14:creationId xmlns="" xmlns:p14="http://schemas.microsoft.com/office/powerpoint/2010/main" val="1143488046"/>
       </p:ext>
     </p:extLst>
   </p:cSld>
@@ -16056,7 +16048,7 @@
     </p:spTree>
     <p:extLst>
       <p:ext uri="{BB962C8B-B14F-4D97-AF65-F5344CB8AC3E}">
-        <p14:creationId xmlns:p14="http://schemas.microsoft.com/office/powerpoint/2010/main" xmlns="" val="957313322"/>
+        <p14:creationId xmlns="" xmlns:p14="http://schemas.microsoft.com/office/powerpoint/2010/main" val="957313322"/>
       </p:ext>
     </p:extLst>
   </p:cSld>
@@ -16606,7 +16598,7 @@
     </p:spTree>
     <p:extLst>
       <p:ext uri="{BB962C8B-B14F-4D97-AF65-F5344CB8AC3E}">
-        <p14:creationId xmlns="" xmlns:p14="http://schemas.microsoft.com/office/powerpoint/2010/main" val="155874689"/>
+        <p14:creationId xmlns:p14="http://schemas.microsoft.com/office/powerpoint/2010/main" xmlns="" val="155874689"/>
       </p:ext>
     </p:extLst>
   </p:cSld>
@@ -16614,7 +16606,7 @@
     <a:masterClrMapping/>
   </p:clrMapOvr>
   <mc:AlternateContent xmlns:mc="http://schemas.openxmlformats.org/markup-compatibility/2006">
-    <mc:Choice xmlns="" xmlns:p14="http://schemas.microsoft.com/office/powerpoint/2010/main" Requires="p14">
+    <mc:Choice xmlns:p14="http://schemas.microsoft.com/office/powerpoint/2010/main" xmlns="" Requires="p14">
       <p:transition spd="slow" p14:dur="2000"/>
     </mc:Choice>
     <mc:Fallback>
@@ -17023,7 +17015,7 @@
     </p:spTree>
     <p:extLst>
       <p:ext uri="{BB962C8B-B14F-4D97-AF65-F5344CB8AC3E}">
-        <p14:creationId xmlns="" xmlns:p14="http://schemas.microsoft.com/office/powerpoint/2010/main" val="155874689"/>
+        <p14:creationId xmlns:p14="http://schemas.microsoft.com/office/powerpoint/2010/main" xmlns="" val="155874689"/>
       </p:ext>
     </p:extLst>
   </p:cSld>
@@ -17031,7 +17023,7 @@
     <a:masterClrMapping/>
   </p:clrMapOvr>
   <mc:AlternateContent xmlns:mc="http://schemas.openxmlformats.org/markup-compatibility/2006">
-    <mc:Choice xmlns="" xmlns:p14="http://schemas.microsoft.com/office/powerpoint/2010/main" Requires="p14">
+    <mc:Choice xmlns:p14="http://schemas.microsoft.com/office/powerpoint/2010/main" xmlns="" Requires="p14">
       <p:transition spd="slow" p14:dur="2000"/>
     </mc:Choice>
     <mc:Fallback>
@@ -17304,7 +17296,7 @@
           <a:blip r:embed="rId2" cstate="print">
             <a:extLst>
               <a:ext uri="{28A0092B-C50C-407E-A947-70E740481C1C}">
-                <a14:useLocalDpi xmlns="" xmlns:a14="http://schemas.microsoft.com/office/drawing/2010/main" val="0"/>
+                <a14:useLocalDpi xmlns:a14="http://schemas.microsoft.com/office/drawing/2010/main" xmlns="" val="0"/>
               </a:ext>
             </a:extLst>
           </a:blip>
@@ -17373,7 +17365,7 @@
     </p:spTree>
     <p:extLst>
       <p:ext uri="{BB962C8B-B14F-4D97-AF65-F5344CB8AC3E}">
-        <p14:creationId xmlns="" xmlns:p14="http://schemas.microsoft.com/office/powerpoint/2010/main" val="2658739501"/>
+        <p14:creationId xmlns:p14="http://schemas.microsoft.com/office/powerpoint/2010/main" xmlns="" val="2658739501"/>
       </p:ext>
     </p:extLst>
   </p:cSld>
@@ -17712,7 +17704,7 @@
     </p:spTree>
     <p:extLst>
       <p:ext uri="{BB962C8B-B14F-4D97-AF65-F5344CB8AC3E}">
-        <p14:creationId xmlns="" xmlns:p14="http://schemas.microsoft.com/office/powerpoint/2010/main" val="155874689"/>
+        <p14:creationId xmlns:p14="http://schemas.microsoft.com/office/powerpoint/2010/main" xmlns="" val="155874689"/>
       </p:ext>
     </p:extLst>
   </p:cSld>
@@ -17720,7 +17712,7 @@
     <a:masterClrMapping/>
   </p:clrMapOvr>
   <mc:AlternateContent xmlns:mc="http://schemas.openxmlformats.org/markup-compatibility/2006">
-    <mc:Choice xmlns="" xmlns:p14="http://schemas.microsoft.com/office/powerpoint/2010/main" Requires="p14">
+    <mc:Choice xmlns:p14="http://schemas.microsoft.com/office/powerpoint/2010/main" xmlns="" Requires="p14">
       <p:transition spd="slow" p14:dur="2000"/>
     </mc:Choice>
     <mc:Fallback>
@@ -18088,7 +18080,7 @@
     </p:spTree>
     <p:extLst>
       <p:ext uri="{BB962C8B-B14F-4D97-AF65-F5344CB8AC3E}">
-        <p14:creationId xmlns="" xmlns:p14="http://schemas.microsoft.com/office/powerpoint/2010/main" val="155874689"/>
+        <p14:creationId xmlns:p14="http://schemas.microsoft.com/office/powerpoint/2010/main" xmlns="" val="155874689"/>
       </p:ext>
     </p:extLst>
   </p:cSld>
@@ -18096,7 +18088,7 @@
     <a:masterClrMapping/>
   </p:clrMapOvr>
   <mc:AlternateContent xmlns:mc="http://schemas.openxmlformats.org/markup-compatibility/2006">
-    <mc:Choice xmlns="" xmlns:p14="http://schemas.microsoft.com/office/powerpoint/2010/main" Requires="p14">
+    <mc:Choice xmlns:p14="http://schemas.microsoft.com/office/powerpoint/2010/main" xmlns="" Requires="p14">
       <p:transition spd="slow" p14:dur="2000"/>
     </mc:Choice>
     <mc:Fallback>
@@ -18330,7 +18322,7 @@
     </p:spTree>
     <p:extLst>
       <p:ext uri="{BB962C8B-B14F-4D97-AF65-F5344CB8AC3E}">
-        <p14:creationId xmlns="" xmlns:p14="http://schemas.microsoft.com/office/powerpoint/2010/main" val="155874689"/>
+        <p14:creationId xmlns:p14="http://schemas.microsoft.com/office/powerpoint/2010/main" xmlns="" val="155874689"/>
       </p:ext>
     </p:extLst>
   </p:cSld>
@@ -20338,7 +20330,7 @@
     </p:spTree>
     <p:extLst>
       <p:ext uri="{BB962C8B-B14F-4D97-AF65-F5344CB8AC3E}">
-        <p14:creationId xmlns="" xmlns:p14="http://schemas.microsoft.com/office/powerpoint/2010/main" val="155874689"/>
+        <p14:creationId xmlns:p14="http://schemas.microsoft.com/office/powerpoint/2010/main" xmlns="" val="155874689"/>
       </p:ext>
     </p:extLst>
   </p:cSld>
@@ -20346,7 +20338,7 @@
     <a:masterClrMapping/>
   </p:clrMapOvr>
   <mc:AlternateContent xmlns:mc="http://schemas.openxmlformats.org/markup-compatibility/2006">
-    <mc:Choice xmlns="" xmlns:p14="http://schemas.microsoft.com/office/powerpoint/2010/main" Requires="p14">
+    <mc:Choice xmlns:p14="http://schemas.microsoft.com/office/powerpoint/2010/main" xmlns="" Requires="p14">
       <p:transition spd="slow" p14:dur="2000"/>
     </mc:Choice>
     <mc:Fallback>
@@ -21435,7 +21427,7 @@
     </p:spTree>
     <p:extLst>
       <p:ext uri="{BB962C8B-B14F-4D97-AF65-F5344CB8AC3E}">
-        <p14:creationId xmlns="" xmlns:p14="http://schemas.microsoft.com/office/powerpoint/2010/main" val="155874689"/>
+        <p14:creationId xmlns:p14="http://schemas.microsoft.com/office/powerpoint/2010/main" xmlns="" val="155874689"/>
       </p:ext>
     </p:extLst>
   </p:cSld>
@@ -21443,7 +21435,7 @@
     <a:masterClrMapping/>
   </p:clrMapOvr>
   <mc:AlternateContent xmlns:mc="http://schemas.openxmlformats.org/markup-compatibility/2006">
-    <mc:Choice xmlns="" xmlns:p14="http://schemas.microsoft.com/office/powerpoint/2010/main" Requires="p14">
+    <mc:Choice xmlns:p14="http://schemas.microsoft.com/office/powerpoint/2010/main" xmlns="" Requires="p14">
       <p:transition spd="slow" p14:dur="2000"/>
     </mc:Choice>
     <mc:Fallback>
@@ -22975,7 +22967,7 @@
     </p:spTree>
     <p:extLst>
       <p:ext uri="{BB962C8B-B14F-4D97-AF65-F5344CB8AC3E}">
-        <p14:creationId xmlns="" xmlns:p14="http://schemas.microsoft.com/office/powerpoint/2010/main" val="155874689"/>
+        <p14:creationId xmlns:p14="http://schemas.microsoft.com/office/powerpoint/2010/main" xmlns="" val="155874689"/>
       </p:ext>
     </p:extLst>
   </p:cSld>
@@ -22983,7 +22975,7 @@
     <a:masterClrMapping/>
   </p:clrMapOvr>
   <mc:AlternateContent xmlns:mc="http://schemas.openxmlformats.org/markup-compatibility/2006">
-    <mc:Choice xmlns="" xmlns:p14="http://schemas.microsoft.com/office/powerpoint/2010/main" Requires="p14">
+    <mc:Choice xmlns:p14="http://schemas.microsoft.com/office/powerpoint/2010/main" xmlns="" Requires="p14">
       <p:transition spd="slow" p14:dur="2000"/>
     </mc:Choice>
     <mc:Fallback>
@@ -24045,7 +24037,7 @@
     </p:spTree>
     <p:extLst>
       <p:ext uri="{BB962C8B-B14F-4D97-AF65-F5344CB8AC3E}">
-        <p14:creationId xmlns="" xmlns:p14="http://schemas.microsoft.com/office/powerpoint/2010/main" val="155874689"/>
+        <p14:creationId xmlns:p14="http://schemas.microsoft.com/office/powerpoint/2010/main" xmlns="" val="155874689"/>
       </p:ext>
     </p:extLst>
   </p:cSld>
@@ -24053,7 +24045,7 @@
     <a:masterClrMapping/>
   </p:clrMapOvr>
   <mc:AlternateContent xmlns:mc="http://schemas.openxmlformats.org/markup-compatibility/2006">
-    <mc:Choice xmlns="" xmlns:p14="http://schemas.microsoft.com/office/powerpoint/2010/main" Requires="p14">
+    <mc:Choice xmlns:p14="http://schemas.microsoft.com/office/powerpoint/2010/main" xmlns="" Requires="p14">
       <p:transition spd="slow" p14:dur="2000"/>
     </mc:Choice>
     <mc:Fallback>
@@ -24752,7 +24744,7 @@
           <a:blip r:embed="rId2" cstate="print">
             <a:extLst>
               <a:ext uri="{28A0092B-C50C-407E-A947-70E740481C1C}">
-                <a14:useLocalDpi xmlns="" xmlns:a14="http://schemas.microsoft.com/office/drawing/2010/main" val="0"/>
+                <a14:useLocalDpi xmlns:a14="http://schemas.microsoft.com/office/drawing/2010/main" xmlns="" val="0"/>
               </a:ext>
             </a:extLst>
           </a:blip>
@@ -24773,7 +24765,7 @@
     </p:spTree>
     <p:extLst>
       <p:ext uri="{BB962C8B-B14F-4D97-AF65-F5344CB8AC3E}">
-        <p14:creationId xmlns="" xmlns:p14="http://schemas.microsoft.com/office/powerpoint/2010/main" val="155874689"/>
+        <p14:creationId xmlns:p14="http://schemas.microsoft.com/office/powerpoint/2010/main" xmlns="" val="155874689"/>
       </p:ext>
     </p:extLst>
   </p:cSld>
@@ -24959,7 +24951,7 @@
     </p:spTree>
     <p:extLst>
       <p:ext uri="{BB962C8B-B14F-4D97-AF65-F5344CB8AC3E}">
-        <p14:creationId xmlns:p14="http://schemas.microsoft.com/office/powerpoint/2010/main" xmlns="" val="2865657727"/>
+        <p14:creationId xmlns="" xmlns:p14="http://schemas.microsoft.com/office/powerpoint/2010/main" val="2865657727"/>
       </p:ext>
     </p:extLst>
   </p:cSld>
@@ -25146,7 +25138,7 @@
     </p:spTree>
     <p:extLst>
       <p:ext uri="{BB962C8B-B14F-4D97-AF65-F5344CB8AC3E}">
-        <p14:creationId xmlns="" xmlns:p14="http://schemas.microsoft.com/office/powerpoint/2010/main" val="335055555"/>
+        <p14:creationId xmlns:p14="http://schemas.microsoft.com/office/powerpoint/2010/main" xmlns="" val="335055555"/>
       </p:ext>
     </p:extLst>
   </p:cSld>
@@ -25349,7 +25341,7 @@
           <a:blip r:embed="rId2" cstate="print">
             <a:extLst>
               <a:ext uri="{28A0092B-C50C-407E-A947-70E740481C1C}">
-                <a14:useLocalDpi xmlns="" xmlns:a14="http://schemas.microsoft.com/office/drawing/2010/main" val="0"/>
+                <a14:useLocalDpi xmlns:a14="http://schemas.microsoft.com/office/drawing/2010/main" xmlns="" val="0"/>
               </a:ext>
             </a:extLst>
           </a:blip>
@@ -25370,7 +25362,7 @@
     </p:spTree>
     <p:extLst>
       <p:ext uri="{BB962C8B-B14F-4D97-AF65-F5344CB8AC3E}">
-        <p14:creationId xmlns="" xmlns:p14="http://schemas.microsoft.com/office/powerpoint/2010/main" val="2479304105"/>
+        <p14:creationId xmlns:p14="http://schemas.microsoft.com/office/powerpoint/2010/main" xmlns="" val="2479304105"/>
       </p:ext>
     </p:extLst>
   </p:cSld>
@@ -25621,7 +25613,7 @@
           <a:blip r:embed="rId2" cstate="print">
             <a:extLst>
               <a:ext uri="{28A0092B-C50C-407E-A947-70E740481C1C}">
-                <a14:useLocalDpi xmlns="" xmlns:a14="http://schemas.microsoft.com/office/drawing/2010/main" val="0"/>
+                <a14:useLocalDpi xmlns:a14="http://schemas.microsoft.com/office/drawing/2010/main" xmlns="" val="0"/>
               </a:ext>
             </a:extLst>
           </a:blip>
@@ -25642,7 +25634,7 @@
     </p:spTree>
     <p:extLst>
       <p:ext uri="{BB962C8B-B14F-4D97-AF65-F5344CB8AC3E}">
-        <p14:creationId xmlns="" xmlns:p14="http://schemas.microsoft.com/office/powerpoint/2010/main" val="2034037302"/>
+        <p14:creationId xmlns:p14="http://schemas.microsoft.com/office/powerpoint/2010/main" xmlns="" val="2034037302"/>
       </p:ext>
     </p:extLst>
   </p:cSld>
@@ -25893,7 +25885,7 @@
           <a:blip r:embed="rId2" cstate="print">
             <a:extLst>
               <a:ext uri="{28A0092B-C50C-407E-A947-70E740481C1C}">
-                <a14:useLocalDpi xmlns="" xmlns:a14="http://schemas.microsoft.com/office/drawing/2010/main" val="0"/>
+                <a14:useLocalDpi xmlns:a14="http://schemas.microsoft.com/office/drawing/2010/main" xmlns="" val="0"/>
               </a:ext>
             </a:extLst>
           </a:blip>
@@ -25914,7 +25906,7 @@
     </p:spTree>
     <p:extLst>
       <p:ext uri="{BB962C8B-B14F-4D97-AF65-F5344CB8AC3E}">
-        <p14:creationId xmlns="" xmlns:p14="http://schemas.microsoft.com/office/powerpoint/2010/main" val="505771863"/>
+        <p14:creationId xmlns:p14="http://schemas.microsoft.com/office/powerpoint/2010/main" xmlns="" val="505771863"/>
       </p:ext>
     </p:extLst>
   </p:cSld>
@@ -26216,7 +26208,7 @@
     </p:spTree>
     <p:extLst>
       <p:ext uri="{BB962C8B-B14F-4D97-AF65-F5344CB8AC3E}">
-        <p14:creationId xmlns="" xmlns:p14="http://schemas.microsoft.com/office/powerpoint/2010/main" val="1080303246"/>
+        <p14:creationId xmlns:p14="http://schemas.microsoft.com/office/powerpoint/2010/main" xmlns="" val="1080303246"/>
       </p:ext>
     </p:extLst>
   </p:cSld>
@@ -26347,7 +26339,7 @@
           <a:blip r:embed="rId3" cstate="print">
             <a:extLst>
               <a:ext uri="{28A0092B-C50C-407E-A947-70E740481C1C}">
-                <a14:useLocalDpi xmlns="" xmlns:a14="http://schemas.microsoft.com/office/drawing/2010/main" val="0"/>
+                <a14:useLocalDpi xmlns:a14="http://schemas.microsoft.com/office/drawing/2010/main" xmlns="" val="0"/>
               </a:ext>
             </a:extLst>
           </a:blip>
@@ -26368,7 +26360,7 @@
     </p:spTree>
     <p:extLst>
       <p:ext uri="{BB962C8B-B14F-4D97-AF65-F5344CB8AC3E}">
-        <p14:creationId xmlns="" xmlns:p14="http://schemas.microsoft.com/office/powerpoint/2010/main" val="903072151"/>
+        <p14:creationId xmlns:p14="http://schemas.microsoft.com/office/powerpoint/2010/main" xmlns="" val="903072151"/>
       </p:ext>
     </p:extLst>
   </p:cSld>
@@ -26455,7 +26447,7 @@
           <a:blip r:embed="rId3" cstate="print">
             <a:extLst>
               <a:ext uri="{28A0092B-C50C-407E-A947-70E740481C1C}">
-                <a14:useLocalDpi xmlns="" xmlns:a14="http://schemas.microsoft.com/office/drawing/2010/main" val="0"/>
+                <a14:useLocalDpi xmlns:a14="http://schemas.microsoft.com/office/drawing/2010/main" xmlns="" val="0"/>
               </a:ext>
             </a:extLst>
           </a:blip>
@@ -26603,7 +26595,7 @@
     </p:spTree>
     <p:extLst>
       <p:ext uri="{BB962C8B-B14F-4D97-AF65-F5344CB8AC3E}">
-        <p14:creationId xmlns="" xmlns:p14="http://schemas.microsoft.com/office/powerpoint/2010/main" val="3259527293"/>
+        <p14:creationId xmlns:p14="http://schemas.microsoft.com/office/powerpoint/2010/main" xmlns="" val="3259527293"/>
       </p:ext>
     </p:extLst>
   </p:cSld>
@@ -26881,7 +26873,7 @@
           <a:blip r:embed="rId2" cstate="print">
             <a:extLst>
               <a:ext uri="{28A0092B-C50C-407E-A947-70E740481C1C}">
-                <a14:useLocalDpi xmlns="" xmlns:a14="http://schemas.microsoft.com/office/drawing/2010/main" val="0"/>
+                <a14:useLocalDpi xmlns:a14="http://schemas.microsoft.com/office/drawing/2010/main" xmlns="" val="0"/>
               </a:ext>
             </a:extLst>
           </a:blip>
@@ -26902,7 +26894,7 @@
     </p:spTree>
     <p:extLst>
       <p:ext uri="{BB962C8B-B14F-4D97-AF65-F5344CB8AC3E}">
-        <p14:creationId xmlns="" xmlns:p14="http://schemas.microsoft.com/office/powerpoint/2010/main" val="2526991034"/>
+        <p14:creationId xmlns:p14="http://schemas.microsoft.com/office/powerpoint/2010/main" xmlns="" val="2526991034"/>
       </p:ext>
     </p:extLst>
   </p:cSld>
@@ -27230,7 +27222,7 @@
     </p:spTree>
     <p:extLst>
       <p:ext uri="{BB962C8B-B14F-4D97-AF65-F5344CB8AC3E}">
-        <p14:creationId xmlns="" xmlns:p14="http://schemas.microsoft.com/office/powerpoint/2010/main" val="155874689"/>
+        <p14:creationId xmlns:p14="http://schemas.microsoft.com/office/powerpoint/2010/main" xmlns="" val="155874689"/>
       </p:ext>
     </p:extLst>
   </p:cSld>
@@ -27493,7 +27485,7 @@
     </p:spTree>
     <p:extLst>
       <p:ext uri="{BB962C8B-B14F-4D97-AF65-F5344CB8AC3E}">
-        <p14:creationId xmlns="" xmlns:p14="http://schemas.microsoft.com/office/powerpoint/2010/main" val="155874689"/>
+        <p14:creationId xmlns:p14="http://schemas.microsoft.com/office/powerpoint/2010/main" xmlns="" val="155874689"/>
       </p:ext>
     </p:extLst>
   </p:cSld>
@@ -27501,7 +27493,7 @@
     <a:masterClrMapping/>
   </p:clrMapOvr>
   <mc:AlternateContent xmlns:mc="http://schemas.openxmlformats.org/markup-compatibility/2006">
-    <mc:Choice xmlns="" xmlns:p14="http://schemas.microsoft.com/office/powerpoint/2010/main" Requires="p14">
+    <mc:Choice xmlns:p14="http://schemas.microsoft.com/office/powerpoint/2010/main" xmlns="" Requires="p14">
       <p:transition spd="slow" p14:dur="2000"/>
     </mc:Choice>
     <mc:Fallback>
@@ -27687,7 +27679,7 @@
           <a:blip r:embed="rId3" cstate="print">
             <a:extLst>
               <a:ext uri="{28A0092B-C50C-407E-A947-70E740481C1C}">
-                <a14:useLocalDpi xmlns:a14="http://schemas.microsoft.com/office/drawing/2010/main" xmlns="" val="0"/>
+                <a14:useLocalDpi xmlns="" xmlns:a14="http://schemas.microsoft.com/office/drawing/2010/main" val="0"/>
               </a:ext>
             </a:extLst>
           </a:blip>
@@ -27707,7 +27699,7 @@
           <a:noFill/>
           <a:extLst>
             <a:ext uri="{909E8E84-426E-40DD-AFC4-6F175D3DCCD1}">
-              <a14:hiddenFill xmlns:a14="http://schemas.microsoft.com/office/drawing/2010/main" xmlns="">
+              <a14:hiddenFill xmlns="" xmlns:a14="http://schemas.microsoft.com/office/drawing/2010/main">
                 <a:solidFill>
                   <a:srgbClr val="FFFFFF"/>
                 </a:solidFill>
@@ -27719,7 +27711,7 @@
     </p:spTree>
     <p:extLst>
       <p:ext uri="{BB962C8B-B14F-4D97-AF65-F5344CB8AC3E}">
-        <p14:creationId xmlns:p14="http://schemas.microsoft.com/office/powerpoint/2010/main" xmlns="" val="530534880"/>
+        <p14:creationId xmlns="" xmlns:p14="http://schemas.microsoft.com/office/powerpoint/2010/main" val="530534880"/>
       </p:ext>
     </p:extLst>
   </p:cSld>
@@ -27976,7 +27968,7 @@
     </p:spTree>
     <p:extLst>
       <p:ext uri="{BB962C8B-B14F-4D97-AF65-F5344CB8AC3E}">
-        <p14:creationId xmlns="" xmlns:p14="http://schemas.microsoft.com/office/powerpoint/2010/main" val="155874689"/>
+        <p14:creationId xmlns:p14="http://schemas.microsoft.com/office/powerpoint/2010/main" xmlns="" val="155874689"/>
       </p:ext>
     </p:extLst>
   </p:cSld>
@@ -27984,7 +27976,7 @@
     <a:masterClrMapping/>
   </p:clrMapOvr>
   <mc:AlternateContent xmlns:mc="http://schemas.openxmlformats.org/markup-compatibility/2006">
-    <mc:Choice xmlns="" xmlns:p14="http://schemas.microsoft.com/office/powerpoint/2010/main" Requires="p14">
+    <mc:Choice xmlns:p14="http://schemas.microsoft.com/office/powerpoint/2010/main" xmlns="" Requires="p14">
       <p:transition spd="slow" p14:dur="2000"/>
     </mc:Choice>
     <mc:Fallback>
@@ -28491,7 +28483,7 @@
     </p:spTree>
     <p:extLst>
       <p:ext uri="{BB962C8B-B14F-4D97-AF65-F5344CB8AC3E}">
-        <p14:creationId xmlns:p14="http://schemas.microsoft.com/office/powerpoint/2010/main" xmlns="" val="155874689"/>
+        <p14:creationId xmlns="" xmlns:p14="http://schemas.microsoft.com/office/powerpoint/2010/main" val="155874689"/>
       </p:ext>
     </p:extLst>
   </p:cSld>
@@ -28499,7 +28491,7 @@
     <a:masterClrMapping/>
   </p:clrMapOvr>
   <mc:AlternateContent xmlns:mc="http://schemas.openxmlformats.org/markup-compatibility/2006">
-    <mc:Choice xmlns:p14="http://schemas.microsoft.com/office/powerpoint/2010/main" xmlns="" Requires="p14">
+    <mc:Choice xmlns="" xmlns:p14="http://schemas.microsoft.com/office/powerpoint/2010/main" Requires="p14">
       <p:transition spd="slow" p14:dur="2000"/>
     </mc:Choice>
     <mc:Fallback>
@@ -28985,7 +28977,7 @@
     </p:spTree>
     <p:extLst>
       <p:ext uri="{BB962C8B-B14F-4D97-AF65-F5344CB8AC3E}">
-        <p14:creationId xmlns:p14="http://schemas.microsoft.com/office/powerpoint/2010/main" xmlns="" val="155874689"/>
+        <p14:creationId xmlns="" xmlns:p14="http://schemas.microsoft.com/office/powerpoint/2010/main" val="155874689"/>
       </p:ext>
     </p:extLst>
   </p:cSld>
@@ -28993,7 +28985,7 @@
     <a:masterClrMapping/>
   </p:clrMapOvr>
   <mc:AlternateContent xmlns:mc="http://schemas.openxmlformats.org/markup-compatibility/2006">
-    <mc:Choice xmlns:p14="http://schemas.microsoft.com/office/powerpoint/2010/main" xmlns="" Requires="p14">
+    <mc:Choice xmlns="" xmlns:p14="http://schemas.microsoft.com/office/powerpoint/2010/main" Requires="p14">
       <p:transition spd="slow" p14:dur="2000"/>
     </mc:Choice>
     <mc:Fallback>
@@ -29292,7 +29284,7 @@
     </p:spTree>
     <p:extLst>
       <p:ext uri="{BB962C8B-B14F-4D97-AF65-F5344CB8AC3E}">
-        <p14:creationId xmlns:p14="http://schemas.microsoft.com/office/powerpoint/2010/main" xmlns="" val="155874689"/>
+        <p14:creationId xmlns="" xmlns:p14="http://schemas.microsoft.com/office/powerpoint/2010/main" val="155874689"/>
       </p:ext>
     </p:extLst>
   </p:cSld>
@@ -29300,7 +29292,7 @@
     <a:masterClrMapping/>
   </p:clrMapOvr>
   <mc:AlternateContent xmlns:mc="http://schemas.openxmlformats.org/markup-compatibility/2006">
-    <mc:Choice xmlns:p14="http://schemas.microsoft.com/office/powerpoint/2010/main" xmlns="" Requires="p14">
+    <mc:Choice xmlns="" xmlns:p14="http://schemas.microsoft.com/office/powerpoint/2010/main" Requires="p14">
       <p:transition spd="slow" p14:dur="2000"/>
     </mc:Choice>
     <mc:Fallback>
@@ -29602,7 +29594,7 @@
     </p:spTree>
     <p:extLst>
       <p:ext uri="{BB962C8B-B14F-4D97-AF65-F5344CB8AC3E}">
-        <p14:creationId xmlns="" xmlns:p14="http://schemas.microsoft.com/office/powerpoint/2010/main" val="155874689"/>
+        <p14:creationId xmlns:p14="http://schemas.microsoft.com/office/powerpoint/2010/main" xmlns="" val="155874689"/>
       </p:ext>
     </p:extLst>
   </p:cSld>
@@ -29610,7 +29602,7 @@
     <a:masterClrMapping/>
   </p:clrMapOvr>
   <mc:AlternateContent xmlns:mc="http://schemas.openxmlformats.org/markup-compatibility/2006">
-    <mc:Choice xmlns="" xmlns:p14="http://schemas.microsoft.com/office/powerpoint/2010/main" Requires="p14">
+    <mc:Choice xmlns:p14="http://schemas.microsoft.com/office/powerpoint/2010/main" xmlns="" Requires="p14">
       <p:transition spd="slow" p14:dur="2000"/>
     </mc:Choice>
     <mc:Fallback>
@@ -30435,7 +30427,7 @@
     </p:spTree>
     <p:extLst>
       <p:ext uri="{BB962C8B-B14F-4D97-AF65-F5344CB8AC3E}">
-        <p14:creationId xmlns:p14="http://schemas.microsoft.com/office/powerpoint/2010/main" xmlns="" val="155874689"/>
+        <p14:creationId xmlns="" xmlns:p14="http://schemas.microsoft.com/office/powerpoint/2010/main" val="155874689"/>
       </p:ext>
     </p:extLst>
   </p:cSld>
@@ -32383,7 +32375,7 @@
           <a:blip r:embed="rId3" cstate="print">
             <a:extLst>
               <a:ext uri="{28A0092B-C50C-407E-A947-70E740481C1C}">
-                <a14:useLocalDpi xmlns:a14="http://schemas.microsoft.com/office/drawing/2010/main" xmlns="" val="0"/>
+                <a14:useLocalDpi xmlns="" xmlns:a14="http://schemas.microsoft.com/office/drawing/2010/main" val="0"/>
               </a:ext>
             </a:extLst>
           </a:blip>
@@ -32403,7 +32395,7 @@
           <a:noFill/>
           <a:extLst>
             <a:ext uri="{909E8E84-426E-40DD-AFC4-6F175D3DCCD1}">
-              <a14:hiddenFill xmlns:a14="http://schemas.microsoft.com/office/drawing/2010/main" xmlns="">
+              <a14:hiddenFill xmlns="" xmlns:a14="http://schemas.microsoft.com/office/drawing/2010/main">
                 <a:solidFill>
                   <a:srgbClr val="FFFFFF"/>
                 </a:solidFill>
@@ -32722,7 +32714,7 @@
     </p:spTree>
     <p:extLst>
       <p:ext uri="{BB962C8B-B14F-4D97-AF65-F5344CB8AC3E}">
-        <p14:creationId xmlns:p14="http://schemas.microsoft.com/office/powerpoint/2010/main" xmlns="" val="3983998448"/>
+        <p14:creationId xmlns="" xmlns:p14="http://schemas.microsoft.com/office/powerpoint/2010/main" val="3983998448"/>
       </p:ext>
     </p:extLst>
   </p:cSld>
@@ -35621,7 +35613,7 @@
           <a:blip r:embed="rId3" cstate="print">
             <a:extLst>
               <a:ext uri="{28A0092B-C50C-407E-A947-70E740481C1C}">
-                <a14:useLocalDpi xmlns:a14="http://schemas.microsoft.com/office/drawing/2010/main" xmlns="" val="0"/>
+                <a14:useLocalDpi xmlns="" xmlns:a14="http://schemas.microsoft.com/office/drawing/2010/main" val="0"/>
               </a:ext>
             </a:extLst>
           </a:blip>
@@ -35641,7 +35633,7 @@
           <a:noFill/>
           <a:extLst>
             <a:ext uri="{909E8E84-426E-40DD-AFC4-6F175D3DCCD1}">
-              <a14:hiddenFill xmlns:a14="http://schemas.microsoft.com/office/drawing/2010/main" xmlns="">
+              <a14:hiddenFill xmlns="" xmlns:a14="http://schemas.microsoft.com/office/drawing/2010/main">
                 <a:solidFill>
                   <a:srgbClr val="FFFFFF"/>
                 </a:solidFill>
@@ -35901,7 +35893,7 @@
           <a:blip r:embed="rId2" cstate="print">
             <a:extLst>
               <a:ext uri="{28A0092B-C50C-407E-A947-70E740481C1C}">
-                <a14:useLocalDpi xmlns:a14="http://schemas.microsoft.com/office/drawing/2010/main" xmlns="" val="0"/>
+                <a14:useLocalDpi xmlns="" xmlns:a14="http://schemas.microsoft.com/office/drawing/2010/main" val="0"/>
               </a:ext>
             </a:extLst>
           </a:blip>
@@ -35921,7 +35913,7 @@
           <a:noFill/>
           <a:extLst>
             <a:ext uri="{909E8E84-426E-40DD-AFC4-6F175D3DCCD1}">
-              <a14:hiddenFill xmlns:a14="http://schemas.microsoft.com/office/drawing/2010/main" xmlns="">
+              <a14:hiddenFill xmlns="" xmlns:a14="http://schemas.microsoft.com/office/drawing/2010/main">
                 <a:solidFill>
                   <a:srgbClr val="FFFFFF"/>
                 </a:solidFill>
@@ -36016,7 +36008,7 @@
     </p:spTree>
     <p:extLst>
       <p:ext uri="{BB962C8B-B14F-4D97-AF65-F5344CB8AC3E}">
-        <p14:creationId xmlns:p14="http://schemas.microsoft.com/office/powerpoint/2010/main" xmlns="" val="3516333073"/>
+        <p14:creationId xmlns="" xmlns:p14="http://schemas.microsoft.com/office/powerpoint/2010/main" val="3516333073"/>
       </p:ext>
     </p:extLst>
   </p:cSld>
@@ -36024,7 +36016,7 @@
     <a:masterClrMapping/>
   </p:clrMapOvr>
   <mc:AlternateContent xmlns:mc="http://schemas.openxmlformats.org/markup-compatibility/2006">
-    <mc:Choice xmlns:p14="http://schemas.microsoft.com/office/powerpoint/2010/main" xmlns="" Requires="p14">
+    <mc:Choice xmlns="" xmlns:p14="http://schemas.microsoft.com/office/powerpoint/2010/main" Requires="p14">
       <p:transition spd="slow" p14:dur="2000"/>
     </mc:Choice>
     <mc:Fallback>
@@ -36183,7 +36175,7 @@
           <a:blip r:embed="rId2" cstate="print">
             <a:extLst>
               <a:ext uri="{28A0092B-C50C-407E-A947-70E740481C1C}">
-                <a14:useLocalDpi xmlns:a14="http://schemas.microsoft.com/office/drawing/2010/main" xmlns="" val="0"/>
+                <a14:useLocalDpi xmlns="" xmlns:a14="http://schemas.microsoft.com/office/drawing/2010/main" val="0"/>
               </a:ext>
             </a:extLst>
           </a:blip>
@@ -36203,7 +36195,7 @@
           <a:noFill/>
           <a:extLst>
             <a:ext uri="{909E8E84-426E-40DD-AFC4-6F175D3DCCD1}">
-              <a14:hiddenFill xmlns:a14="http://schemas.microsoft.com/office/drawing/2010/main" xmlns="">
+              <a14:hiddenFill xmlns="" xmlns:a14="http://schemas.microsoft.com/office/drawing/2010/main">
                 <a:solidFill>
                   <a:srgbClr val="FFFFFF"/>
                 </a:solidFill>
@@ -36278,7 +36270,7 @@
     </p:spTree>
     <p:extLst>
       <p:ext uri="{BB962C8B-B14F-4D97-AF65-F5344CB8AC3E}">
-        <p14:creationId xmlns:p14="http://schemas.microsoft.com/office/powerpoint/2010/main" xmlns="" val="576094641"/>
+        <p14:creationId xmlns="" xmlns:p14="http://schemas.microsoft.com/office/powerpoint/2010/main" val="576094641"/>
       </p:ext>
     </p:extLst>
   </p:cSld>
@@ -36286,7 +36278,7 @@
     <a:masterClrMapping/>
   </p:clrMapOvr>
   <mc:AlternateContent xmlns:mc="http://schemas.openxmlformats.org/markup-compatibility/2006">
-    <mc:Choice xmlns:p14="http://schemas.microsoft.com/office/powerpoint/2010/main" xmlns="" Requires="p14">
+    <mc:Choice xmlns="" xmlns:p14="http://schemas.microsoft.com/office/powerpoint/2010/main" Requires="p14">
       <p:transition spd="slow" p14:dur="2000"/>
     </mc:Choice>
     <mc:Fallback>
